--- a/HTML & CSS/2. HTML Tables/HTML Tables.pptx
+++ b/HTML & CSS/2. HTML Tables/HTML Tables.pptx
@@ -259,7 +259,7 @@
             <a:fld id="{3BF7C7B5-275F-4D1F-9AB4-9255447DBC73}" type="datetimeFigureOut">
               <a:rPr lang="en-US"/>
               <a:pPr/>
-              <a:t>1/11/2014</a:t>
+              <a:t>1/14/2014</a:t>
             </a:fld>
             <a:endParaRPr lang="en-US" dirty="0"/>
           </a:p>
@@ -367,7 +367,7 @@
     </p:spTree>
     <p:extLst>
       <p:ext uri="{BB962C8B-B14F-4D97-AF65-F5344CB8AC3E}">
-        <p14:creationId xmlns="" xmlns:p14="http://schemas.microsoft.com/office/powerpoint/2010/main" val="4252070816"/>
+        <p14:creationId xmlns:p14="http://schemas.microsoft.com/office/powerpoint/2010/main" xmlns="" val="4252070816"/>
       </p:ext>
     </p:extLst>
   </p:cSld>
@@ -490,7 +490,7 @@
             <a:fld id="{9B46F231-FB2B-4655-A644-E2477325E686}" type="datetimeFigureOut">
               <a:rPr lang="en-US"/>
               <a:pPr/>
-              <a:t>1/11/2014</a:t>
+              <a:t>1/14/2014</a:t>
             </a:fld>
             <a:endParaRPr lang="en-US" dirty="0"/>
           </a:p>
@@ -703,7 +703,7 @@
     </p:spTree>
     <p:extLst>
       <p:ext uri="{BB962C8B-B14F-4D97-AF65-F5344CB8AC3E}">
-        <p14:creationId xmlns="" xmlns:p14="http://schemas.microsoft.com/office/powerpoint/2010/main" val="3743736236"/>
+        <p14:creationId xmlns:p14="http://schemas.microsoft.com/office/powerpoint/2010/main" xmlns="" val="3743736236"/>
       </p:ext>
     </p:extLst>
   </p:cSld>
@@ -834,7 +834,7 @@
 </file>
 
 <file path=ppt/slideLayouts/slideLayout1.xml><?xml version="1.0" encoding="utf-8"?>
-<p:sldLayout xmlns:a="http://schemas.openxmlformats.org/drawingml/2006/main" xmlns:r="http://schemas.openxmlformats.org/officeDocument/2006/relationships" xmlns:p="http://schemas.openxmlformats.org/presentationml/2006/main" preserve="1">
+<p:sldLayout xmlns:a="http://schemas.openxmlformats.org/drawingml/2006/main" xmlns:r="http://schemas.openxmlformats.org/officeDocument/2006/relationships" xmlns:p="http://schemas.openxmlformats.org/presentationml/2006/main" showMasterSp="0" preserve="1">
   <p:cSld name="Presentation Title Slide">
     <p:spTree>
       <p:nvGrpSpPr>
@@ -1436,7 +1436,7 @@
 </file>
 
 <file path=ppt/slideLayouts/slideLayout2.xml><?xml version="1.0" encoding="utf-8"?>
-<p:sldLayout xmlns:a="http://schemas.openxmlformats.org/drawingml/2006/main" xmlns:r="http://schemas.openxmlformats.org/officeDocument/2006/relationships" xmlns:p="http://schemas.openxmlformats.org/presentationml/2006/main" type="obj" preserve="1">
+<p:sldLayout xmlns:a="http://schemas.openxmlformats.org/drawingml/2006/main" xmlns:r="http://schemas.openxmlformats.org/officeDocument/2006/relationships" xmlns:p="http://schemas.openxmlformats.org/presentationml/2006/main" showMasterSp="0" type="obj" preserve="1">
   <p:cSld name="Title and Content">
     <p:spTree>
       <p:nvGrpSpPr>
@@ -1741,7 +1741,7 @@
 </file>
 
 <file path=ppt/slideLayouts/slideLayout3.xml><?xml version="1.0" encoding="utf-8"?>
-<p:sldLayout xmlns:a="http://schemas.openxmlformats.org/drawingml/2006/main" xmlns:r="http://schemas.openxmlformats.org/officeDocument/2006/relationships" xmlns:p="http://schemas.openxmlformats.org/presentationml/2006/main" preserve="1">
+<p:sldLayout xmlns:a="http://schemas.openxmlformats.org/drawingml/2006/main" xmlns:r="http://schemas.openxmlformats.org/officeDocument/2006/relationships" xmlns:p="http://schemas.openxmlformats.org/presentationml/2006/main" showMasterSp="0" preserve="1">
   <p:cSld name="Custom Layout">
     <p:spTree>
       <p:nvGrpSpPr>
@@ -2159,7 +2159,7 @@
     </p:spTree>
     <p:extLst>
       <p:ext uri="{BB962C8B-B14F-4D97-AF65-F5344CB8AC3E}">
-        <p14:creationId xmlns="" xmlns:p14="http://schemas.microsoft.com/office/powerpoint/2010/main" val="3141685506"/>
+        <p14:creationId xmlns:p14="http://schemas.microsoft.com/office/powerpoint/2010/main" xmlns="" val="3141685506"/>
       </p:ext>
     </p:extLst>
   </p:cSld>
@@ -2171,7 +2171,7 @@
 </file>
 
 <file path=ppt/slideLayouts/slideLayout4.xml><?xml version="1.0" encoding="utf-8"?>
-<p:sldLayout xmlns:a="http://schemas.openxmlformats.org/drawingml/2006/main" xmlns:r="http://schemas.openxmlformats.org/officeDocument/2006/relationships" xmlns:p="http://schemas.openxmlformats.org/presentationml/2006/main" type="title" preserve="1">
+<p:sldLayout xmlns:a="http://schemas.openxmlformats.org/drawingml/2006/main" xmlns:r="http://schemas.openxmlformats.org/officeDocument/2006/relationships" xmlns:p="http://schemas.openxmlformats.org/presentationml/2006/main" showMasterSp="0" type="title" preserve="1">
   <p:cSld name="Title Slide">
     <p:spTree>
       <p:nvGrpSpPr>
@@ -2340,7 +2340,7 @@
 </file>
 
 <file path=ppt/slideLayouts/slideLayout5.xml><?xml version="1.0" encoding="utf-8"?>
-<p:sldLayout xmlns:a="http://schemas.openxmlformats.org/drawingml/2006/main" xmlns:r="http://schemas.openxmlformats.org/officeDocument/2006/relationships" xmlns:p="http://schemas.openxmlformats.org/presentationml/2006/main" preserve="1">
+<p:sldLayout xmlns:a="http://schemas.openxmlformats.org/drawingml/2006/main" xmlns:r="http://schemas.openxmlformats.org/officeDocument/2006/relationships" xmlns:p="http://schemas.openxmlformats.org/presentationml/2006/main" showMasterSp="0" preserve="1">
   <p:cSld name="Questions Slide">
     <p:spTree>
       <p:nvGrpSpPr>
@@ -3890,7 +3890,7 @@
 </file>
 
 <file path=ppt/slideLayouts/slideLayout6.xml><?xml version="1.0" encoding="utf-8"?>
-<p:sldLayout xmlns:a="http://schemas.openxmlformats.org/drawingml/2006/main" xmlns:r="http://schemas.openxmlformats.org/officeDocument/2006/relationships" xmlns:p="http://schemas.openxmlformats.org/presentationml/2006/main">
+<p:sldLayout xmlns:a="http://schemas.openxmlformats.org/drawingml/2006/main" xmlns:r="http://schemas.openxmlformats.org/officeDocument/2006/relationships" xmlns:p="http://schemas.openxmlformats.org/presentationml/2006/main" showMasterSp="0">
   <p:cSld name="1_Presentation Title Slide">
     <p:spTree>
       <p:nvGrpSpPr>
@@ -4410,7 +4410,7 @@
 </file>
 
 <file path=ppt/slideLayouts/slideLayout7.xml><?xml version="1.0" encoding="utf-8"?>
-<p:sldLayout xmlns:a="http://schemas.openxmlformats.org/drawingml/2006/main" xmlns:r="http://schemas.openxmlformats.org/officeDocument/2006/relationships" xmlns:p="http://schemas.openxmlformats.org/presentationml/2006/main" preserve="1" userDrawn="1">
+<p:sldLayout xmlns:a="http://schemas.openxmlformats.org/drawingml/2006/main" xmlns:r="http://schemas.openxmlformats.org/officeDocument/2006/relationships" xmlns:p="http://schemas.openxmlformats.org/presentationml/2006/main" showMasterSp="0" preserve="1" userDrawn="1">
   <p:cSld name="3_Presentation Title Slide">
     <p:spTree>
       <p:nvGrpSpPr>
@@ -4833,7 +4833,7 @@
 </file>
 
 <file path=ppt/slideLayouts/slideLayout8.xml><?xml version="1.0" encoding="utf-8"?>
-<p:sldLayout xmlns:a="http://schemas.openxmlformats.org/drawingml/2006/main" xmlns:r="http://schemas.openxmlformats.org/officeDocument/2006/relationships" xmlns:p="http://schemas.openxmlformats.org/presentationml/2006/main" preserve="1" userDrawn="1">
+<p:sldLayout xmlns:a="http://schemas.openxmlformats.org/drawingml/2006/main" xmlns:r="http://schemas.openxmlformats.org/officeDocument/2006/relationships" xmlns:p="http://schemas.openxmlformats.org/presentationml/2006/main" showMasterSp="0" preserve="1" userDrawn="1">
   <p:cSld name="1_Source Code Example">
     <p:spTree>
       <p:nvGrpSpPr>
@@ -5213,7 +5213,7 @@
 </file>
 
 <file path=ppt/slideLayouts/slideLayout9.xml><?xml version="1.0" encoding="utf-8"?>
-<p:sldLayout xmlns:a="http://schemas.openxmlformats.org/drawingml/2006/main" xmlns:r="http://schemas.openxmlformats.org/officeDocument/2006/relationships" xmlns:p="http://schemas.openxmlformats.org/presentationml/2006/main" preserve="1" userDrawn="1">
+<p:sldLayout xmlns:a="http://schemas.openxmlformats.org/drawingml/2006/main" xmlns:r="http://schemas.openxmlformats.org/officeDocument/2006/relationships" xmlns:p="http://schemas.openxmlformats.org/presentationml/2006/main" showMasterSp="0" preserve="1" userDrawn="1">
   <p:cSld name="1_Questions Slide">
     <p:spTree>
       <p:nvGrpSpPr>
@@ -6486,7 +6486,7 @@
           <a:blip r:embed="rId30">
             <a:extLst>
               <a:ext uri="{28A0092B-C50C-407E-A947-70E740481C1C}">
-                <a14:useLocalDpi xmlns="" xmlns:a14="http://schemas.microsoft.com/office/drawing/2010/main" val="0"/>
+                <a14:useLocalDpi xmlns:a14="http://schemas.microsoft.com/office/drawing/2010/main" xmlns="" val="0"/>
               </a:ext>
             </a:extLst>
           </a:blip>
@@ -6506,7 +6506,7 @@
           <a:noFill/>
           <a:extLst>
             <a:ext uri="{909E8E84-426E-40DD-AFC4-6F175D3DCCD1}">
-              <a14:hiddenFill xmlns="" xmlns:a14="http://schemas.microsoft.com/office/drawing/2010/main">
+              <a14:hiddenFill xmlns:a14="http://schemas.microsoft.com/office/drawing/2010/main" xmlns="">
                 <a:solidFill>
                   <a:srgbClr val="FFFFFF"/>
                 </a:solidFill>
@@ -6527,7 +6527,7 @@
           <a:blip r:embed="rId31" cstate="email">
             <a:extLst>
               <a:ext uri="{28A0092B-C50C-407E-A947-70E740481C1C}">
-                <a14:useLocalDpi xmlns="" xmlns:a14="http://schemas.microsoft.com/office/drawing/2010/main"/>
+                <a14:useLocalDpi xmlns:a14="http://schemas.microsoft.com/office/drawing/2010/main" xmlns=""/>
               </a:ext>
             </a:extLst>
           </a:blip>
@@ -6551,14 +6551,14 @@
           <a:effectLst/>
           <a:extLst>
             <a:ext uri="{909E8E84-426E-40DD-AFC4-6F175D3DCCD1}">
-              <a14:hiddenFill xmlns="" xmlns:a14="http://schemas.microsoft.com/office/drawing/2010/main">
+              <a14:hiddenFill xmlns:a14="http://schemas.microsoft.com/office/drawing/2010/main" xmlns="">
                 <a:solidFill>
                   <a:schemeClr val="accent1"/>
                 </a:solidFill>
               </a14:hiddenFill>
             </a:ext>
             <a:ext uri="{91240B29-F687-4F45-9708-019B960494DF}">
-              <a14:hiddenLine xmlns="" xmlns:a14="http://schemas.microsoft.com/office/drawing/2010/main" w="9525">
+              <a14:hiddenLine xmlns:a14="http://schemas.microsoft.com/office/drawing/2010/main" xmlns="" w="9525">
                 <a:solidFill>
                   <a:schemeClr val="tx1"/>
                 </a:solidFill>
@@ -6568,7 +6568,7 @@
               </a14:hiddenLine>
             </a:ext>
             <a:ext uri="{AF507438-7753-43E0-B8FC-AC1667EBCBE1}">
-              <a14:hiddenEffects xmlns="" xmlns:a14="http://schemas.microsoft.com/office/drawing/2010/main">
+              <a14:hiddenEffects xmlns:a14="http://schemas.microsoft.com/office/drawing/2010/main" xmlns="">
                 <a:effectLst>
                   <a:outerShdw dist="35921" dir="2700000" algn="ctr" rotWithShape="0">
                     <a:schemeClr val="bg2"/>
@@ -6591,7 +6591,7 @@
           <a:blip r:embed="rId32" cstate="email">
             <a:extLst>
               <a:ext uri="{28A0092B-C50C-407E-A947-70E740481C1C}">
-                <a14:useLocalDpi xmlns="" xmlns:a14="http://schemas.microsoft.com/office/drawing/2010/main"/>
+                <a14:useLocalDpi xmlns:a14="http://schemas.microsoft.com/office/drawing/2010/main" xmlns=""/>
               </a:ext>
             </a:extLst>
           </a:blip>
@@ -6615,14 +6615,14 @@
           <a:effectLst/>
           <a:extLst>
             <a:ext uri="{909E8E84-426E-40DD-AFC4-6F175D3DCCD1}">
-              <a14:hiddenFill xmlns="" xmlns:a14="http://schemas.microsoft.com/office/drawing/2010/main">
+              <a14:hiddenFill xmlns:a14="http://schemas.microsoft.com/office/drawing/2010/main" xmlns="">
                 <a:solidFill>
                   <a:schemeClr val="accent1"/>
                 </a:solidFill>
               </a14:hiddenFill>
             </a:ext>
             <a:ext uri="{91240B29-F687-4F45-9708-019B960494DF}">
-              <a14:hiddenLine xmlns="" xmlns:a14="http://schemas.microsoft.com/office/drawing/2010/main" w="9525">
+              <a14:hiddenLine xmlns:a14="http://schemas.microsoft.com/office/drawing/2010/main" xmlns="" w="9525">
                 <a:solidFill>
                   <a:schemeClr val="tx1"/>
                 </a:solidFill>
@@ -6632,7 +6632,7 @@
               </a14:hiddenLine>
             </a:ext>
             <a:ext uri="{AF507438-7753-43E0-B8FC-AC1667EBCBE1}">
-              <a14:hiddenEffects xmlns="" xmlns:a14="http://schemas.microsoft.com/office/drawing/2010/main">
+              <a14:hiddenEffects xmlns:a14="http://schemas.microsoft.com/office/drawing/2010/main" xmlns="">
                 <a:effectLst>
                   <a:outerShdw dist="35921" dir="2700000" algn="ctr" rotWithShape="0">
                     <a:schemeClr val="bg2"/>
@@ -6655,7 +6655,7 @@
           <a:blip r:embed="rId33">
             <a:extLst>
               <a:ext uri="{BEBA8EAE-BF5A-486C-A8C5-ECC9F3942E4B}">
-                <a14:imgProps xmlns="" xmlns:a14="http://schemas.microsoft.com/office/drawing/2010/main">
+                <a14:imgProps xmlns:a14="http://schemas.microsoft.com/office/drawing/2010/main" xmlns="">
                   <a14:imgLayer r:embed="rId34">
                     <a14:imgEffect>
                       <a14:brightnessContrast bright="20000"/>
@@ -6664,7 +6664,7 @@
                 </a14:imgProps>
               </a:ext>
               <a:ext uri="{28A0092B-C50C-407E-A947-70E740481C1C}">
-                <a14:useLocalDpi xmlns="" xmlns:a14="http://schemas.microsoft.com/office/drawing/2010/main" val="0"/>
+                <a14:useLocalDpi xmlns:a14="http://schemas.microsoft.com/office/drawing/2010/main" xmlns="" val="0"/>
               </a:ext>
             </a:extLst>
           </a:blip>
@@ -6692,7 +6692,7 @@
           </a:effectLst>
           <a:extLst>
             <a:ext uri="{909E8E84-426E-40DD-AFC4-6F175D3DCCD1}">
-              <a14:hiddenFill xmlns="" xmlns:a14="http://schemas.microsoft.com/office/drawing/2010/main">
+              <a14:hiddenFill xmlns:a14="http://schemas.microsoft.com/office/drawing/2010/main" xmlns="">
                 <a:solidFill>
                   <a:srgbClr val="FFFFFF"/>
                 </a:solidFill>
@@ -7938,7 +7938,7 @@
 </file>
 
 <file path=ppt/slides/slide1.xml><?xml version="1.0" encoding="utf-8"?>
-<p:sld xmlns:a="http://schemas.openxmlformats.org/drawingml/2006/main" xmlns:r="http://schemas.openxmlformats.org/officeDocument/2006/relationships" xmlns:p="http://schemas.openxmlformats.org/presentationml/2006/main">
+<p:sld xmlns:a="http://schemas.openxmlformats.org/drawingml/2006/main" xmlns:r="http://schemas.openxmlformats.org/officeDocument/2006/relationships" xmlns:p="http://schemas.openxmlformats.org/presentationml/2006/main" showMasterSp="0">
   <p:cSld>
     <p:spTree>
       <p:nvGrpSpPr>
@@ -7954,29 +7954,6 @@
           <a:chExt cx="0" cy="0"/>
         </a:xfrm>
       </p:grpSpPr>
-      <p:sp>
-        <p:nvSpPr>
-          <p:cNvPr id="2" name="Title 1"/>
-          <p:cNvSpPr>
-            <a:spLocks noGrp="1"/>
-          </p:cNvSpPr>
-          <p:nvPr>
-            <p:ph type="title"/>
-          </p:nvPr>
-        </p:nvSpPr>
-        <p:spPr/>
-        <p:txBody>
-          <a:bodyPr/>
-          <a:lstStyle/>
-          <a:p>
-            <a:r>
-              <a:rPr lang="en-US" dirty="0" smtClean="0"/>
-              <a:t>Homework</a:t>
-            </a:r>
-            <a:endParaRPr lang="en-US" dirty="0"/>
-          </a:p>
-        </p:txBody>
-      </p:sp>
       <p:pic>
         <p:nvPicPr>
           <p:cNvPr id="1026" name="Picture 2"/>
@@ -7991,7 +7968,7 @@
           <a:blip r:embed="rId2" cstate="print">
             <a:extLst>
               <a:ext uri="{28A0092B-C50C-407E-A947-70E740481C1C}">
-                <a14:useLocalDpi xmlns="" xmlns:a14="http://schemas.microsoft.com/office/drawing/2010/main"/>
+                <a14:useLocalDpi xmlns:a14="http://schemas.microsoft.com/office/drawing/2010/main" xmlns=""/>
               </a:ext>
             </a:extLst>
           </a:blip>
@@ -8002,7 +7979,7 @@
         </p:blipFill>
         <p:spPr bwMode="auto">
           <a:xfrm>
-            <a:off x="600075" y="2514600"/>
+            <a:off x="600075" y="1752600"/>
             <a:ext cx="4581525" cy="1524000"/>
           </a:xfrm>
           <a:prstGeom prst="roundRect">
@@ -8017,14 +7994,14 @@
           <a:effectLst/>
           <a:extLst>
             <a:ext uri="{909E8E84-426E-40DD-AFC4-6F175D3DCCD1}">
-              <a14:hiddenFill xmlns="" xmlns:a14="http://schemas.microsoft.com/office/drawing/2010/main">
+              <a14:hiddenFill xmlns:a14="http://schemas.microsoft.com/office/drawing/2010/main" xmlns="">
                 <a:solidFill>
                   <a:schemeClr val="accent1"/>
                 </a:solidFill>
               </a14:hiddenFill>
             </a:ext>
             <a:ext uri="{91240B29-F687-4F45-9708-019B960494DF}">
-              <a14:hiddenLine xmlns="" xmlns:a14="http://schemas.microsoft.com/office/drawing/2010/main" w="9525">
+              <a14:hiddenLine xmlns:a14="http://schemas.microsoft.com/office/drawing/2010/main" xmlns="" w="9525">
                 <a:solidFill>
                   <a:schemeClr val="tx1"/>
                 </a:solidFill>
@@ -8034,7 +8011,7 @@
               </a14:hiddenLine>
             </a:ext>
             <a:ext uri="{AF507438-7753-43E0-B8FC-AC1667EBCBE1}">
-              <a14:hiddenEffects xmlns="" xmlns:a14="http://schemas.microsoft.com/office/drawing/2010/main">
+              <a14:hiddenEffects xmlns:a14="http://schemas.microsoft.com/office/drawing/2010/main" xmlns="">
                 <a:effectLst>
                   <a:outerShdw dist="35921" dir="2700000" algn="ctr" rotWithShape="0">
                     <a:schemeClr val="bg2"/>
@@ -8047,35 +8024,6 @@
       </p:pic>
       <p:sp>
         <p:nvSpPr>
-          <p:cNvPr id="4" name="Slide Number Placeholder 3"/>
-          <p:cNvSpPr>
-            <a:spLocks noGrp="1"/>
-          </p:cNvSpPr>
-          <p:nvPr>
-            <p:ph type="sldNum" sz="quarter" idx="10"/>
-          </p:nvPr>
-        </p:nvSpPr>
-        <p:spPr/>
-        <p:txBody>
-          <a:bodyPr/>
-          <a:lstStyle/>
-          <a:p>
-            <a:pPr>
-              <a:defRPr/>
-            </a:pPr>
-            <a:fld id="{58452FF4-89E3-4D1B-9927-2DBDC00E58D7}" type="slidenum">
-              <a:rPr lang="en-US" smtClean="0"/>
-              <a:pPr>
-                <a:defRPr/>
-              </a:pPr>
-              <a:t>1</a:t>
-            </a:fld>
-            <a:endParaRPr lang="en-US" dirty="0"/>
-          </a:p>
-        </p:txBody>
-      </p:sp>
-      <p:sp>
-        <p:nvSpPr>
           <p:cNvPr id="6" name="Rectangle 3"/>
           <p:cNvSpPr txBox="1">
             <a:spLocks noChangeArrowheads="1"/>
@@ -8084,7 +8032,7 @@
         </p:nvSpPr>
         <p:spPr>
           <a:xfrm>
-            <a:off x="323850" y="1195388"/>
+            <a:off x="323850" y="457200"/>
             <a:ext cx="7829550" cy="1090611"/>
           </a:xfrm>
           <a:prstGeom prst="rect">
@@ -8376,7 +8324,7 @@
           <a:blip r:embed="rId3" cstate="screen">
             <a:extLst>
               <a:ext uri="{28A0092B-C50C-407E-A947-70E740481C1C}">
-                <a14:useLocalDpi xmlns="" xmlns:a14="http://schemas.microsoft.com/office/drawing/2010/main"/>
+                <a14:useLocalDpi xmlns:a14="http://schemas.microsoft.com/office/drawing/2010/main" xmlns=""/>
               </a:ext>
             </a:extLst>
           </a:blip>
@@ -8385,7 +8333,7 @@
         </p:blipFill>
         <p:spPr bwMode="auto">
           <a:xfrm>
-            <a:off x="5732008" y="2122716"/>
+            <a:off x="5732008" y="1689328"/>
             <a:ext cx="2726192" cy="2067876"/>
           </a:xfrm>
           <a:prstGeom prst="roundRect">
@@ -8412,7 +8360,7 @@
         </p:nvSpPr>
         <p:spPr>
           <a:xfrm>
-            <a:off x="323850" y="4572000"/>
+            <a:off x="323850" y="4343400"/>
             <a:ext cx="3871232" cy="1600200"/>
           </a:xfrm>
           <a:prstGeom prst="rect">
@@ -8691,7 +8639,7 @@
           <a:blip r:embed="rId4" cstate="print">
             <a:extLst>
               <a:ext uri="{28A0092B-C50C-407E-A947-70E740481C1C}">
-                <a14:useLocalDpi xmlns="" xmlns:a14="http://schemas.microsoft.com/office/drawing/2010/main"/>
+                <a14:useLocalDpi xmlns:a14="http://schemas.microsoft.com/office/drawing/2010/main" xmlns=""/>
               </a:ext>
             </a:extLst>
           </a:blip>
@@ -8702,7 +8650,7 @@
         </p:blipFill>
         <p:spPr bwMode="auto">
           <a:xfrm>
-            <a:off x="4572000" y="4695824"/>
+            <a:off x="4572000" y="4467224"/>
             <a:ext cx="3886200" cy="1350692"/>
           </a:xfrm>
           <a:prstGeom prst="roundRect">
@@ -8717,14 +8665,14 @@
           <a:effectLst/>
           <a:extLst>
             <a:ext uri="{909E8E84-426E-40DD-AFC4-6F175D3DCCD1}">
-              <a14:hiddenFill xmlns="" xmlns:a14="http://schemas.microsoft.com/office/drawing/2010/main">
+              <a14:hiddenFill xmlns:a14="http://schemas.microsoft.com/office/drawing/2010/main" xmlns="">
                 <a:solidFill>
                   <a:schemeClr val="accent1"/>
                 </a:solidFill>
               </a14:hiddenFill>
             </a:ext>
             <a:ext uri="{91240B29-F687-4F45-9708-019B960494DF}">
-              <a14:hiddenLine xmlns="" xmlns:a14="http://schemas.microsoft.com/office/drawing/2010/main" w="9525">
+              <a14:hiddenLine xmlns:a14="http://schemas.microsoft.com/office/drawing/2010/main" xmlns="" w="9525">
                 <a:solidFill>
                   <a:schemeClr val="tx1"/>
                 </a:solidFill>
@@ -8734,7 +8682,7 @@
               </a14:hiddenLine>
             </a:ext>
             <a:ext uri="{AF507438-7753-43E0-B8FC-AC1667EBCBE1}">
-              <a14:hiddenEffects xmlns="" xmlns:a14="http://schemas.microsoft.com/office/drawing/2010/main">
+              <a14:hiddenEffects xmlns:a14="http://schemas.microsoft.com/office/drawing/2010/main" xmlns="">
                 <a:effectLst>
                   <a:outerShdw dist="35921" dir="2700000" algn="ctr" rotWithShape="0">
                     <a:schemeClr val="bg2"/>
@@ -8748,7 +8696,7 @@
     </p:spTree>
     <p:extLst>
       <p:ext uri="{BB962C8B-B14F-4D97-AF65-F5344CB8AC3E}">
-        <p14:creationId xmlns="" xmlns:p14="http://schemas.microsoft.com/office/powerpoint/2010/main" val="4165922844"/>
+        <p14:creationId xmlns:p14="http://schemas.microsoft.com/office/powerpoint/2010/main" xmlns="" val="4165922844"/>
       </p:ext>
     </p:extLst>
   </p:cSld>
@@ -8766,7 +8714,7 @@
 </file>
 
 <file path=ppt/slides/slide2.xml><?xml version="1.0" encoding="utf-8"?>
-<p:sld xmlns:a="http://schemas.openxmlformats.org/drawingml/2006/main" xmlns:r="http://schemas.openxmlformats.org/officeDocument/2006/relationships" xmlns:p="http://schemas.openxmlformats.org/presentationml/2006/main">
+<p:sld xmlns:a="http://schemas.openxmlformats.org/drawingml/2006/main" xmlns:r="http://schemas.openxmlformats.org/officeDocument/2006/relationships" xmlns:p="http://schemas.openxmlformats.org/presentationml/2006/main" showMasterSp="0">
   <p:cSld>
     <p:spTree>
       <p:nvGrpSpPr>
@@ -8784,37 +8732,6 @@
       </p:grpSpPr>
       <p:sp>
         <p:nvSpPr>
-          <p:cNvPr id="2" name="Title 1"/>
-          <p:cNvSpPr>
-            <a:spLocks noGrp="1"/>
-          </p:cNvSpPr>
-          <p:nvPr>
-            <p:ph type="title"/>
-          </p:nvPr>
-        </p:nvSpPr>
-        <p:spPr/>
-        <p:txBody>
-          <a:bodyPr/>
-          <a:lstStyle/>
-          <a:p>
-            <a:r>
-              <a:rPr lang="en-US" dirty="0" smtClean="0"/>
-              <a:t>Homework (</a:t>
-            </a:r>
-            <a:r>
-              <a:rPr lang="en-US" dirty="0"/>
-              <a:t>3</a:t>
-            </a:r>
-            <a:r>
-              <a:rPr lang="en-US" dirty="0" smtClean="0"/>
-              <a:t>)</a:t>
-            </a:r>
-            <a:endParaRPr lang="en-US" dirty="0"/>
-          </a:p>
-        </p:txBody>
-      </p:sp>
-      <p:sp>
-        <p:nvSpPr>
           <p:cNvPr id="8" name="Content Placeholder 7"/>
           <p:cNvSpPr>
             <a:spLocks noGrp="1"/>
@@ -8825,7 +8742,7 @@
         </p:nvSpPr>
         <p:spPr>
           <a:xfrm>
-            <a:off x="228600" y="1219200"/>
+            <a:off x="228600" y="762000"/>
             <a:ext cx="8686800" cy="4876800"/>
           </a:xfrm>
         </p:spPr>
@@ -8908,35 +8825,6 @@
           </a:p>
         </p:txBody>
       </p:sp>
-      <p:sp>
-        <p:nvSpPr>
-          <p:cNvPr id="4" name="Slide Number Placeholder 3"/>
-          <p:cNvSpPr>
-            <a:spLocks noGrp="1"/>
-          </p:cNvSpPr>
-          <p:nvPr>
-            <p:ph type="sldNum" sz="quarter" idx="10"/>
-          </p:nvPr>
-        </p:nvSpPr>
-        <p:spPr/>
-        <p:txBody>
-          <a:bodyPr/>
-          <a:lstStyle/>
-          <a:p>
-            <a:pPr>
-              <a:defRPr/>
-            </a:pPr>
-            <a:fld id="{58452FF4-89E3-4D1B-9927-2DBDC00E58D7}" type="slidenum">
-              <a:rPr lang="en-US" smtClean="0"/>
-              <a:pPr>
-                <a:defRPr/>
-              </a:pPr>
-              <a:t>2</a:t>
-            </a:fld>
-            <a:endParaRPr lang="en-US" dirty="0"/>
-          </a:p>
-        </p:txBody>
-      </p:sp>
       <p:pic>
         <p:nvPicPr>
           <p:cNvPr id="7" name="Picture 5"/>
@@ -8949,7 +8837,7 @@
           <a:blip r:embed="rId2">
             <a:extLst>
               <a:ext uri="{28A0092B-C50C-407E-A947-70E740481C1C}">
-                <a14:useLocalDpi xmlns="" xmlns:a14="http://schemas.microsoft.com/office/drawing/2010/main"/>
+                <a14:useLocalDpi xmlns:a14="http://schemas.microsoft.com/office/drawing/2010/main" xmlns=""/>
               </a:ext>
             </a:extLst>
           </a:blip>
@@ -8960,7 +8848,7 @@
         </p:blipFill>
         <p:spPr bwMode="auto">
           <a:xfrm>
-            <a:off x="5715000" y="1904999"/>
+            <a:off x="5715000" y="1447799"/>
             <a:ext cx="2895600" cy="3608767"/>
           </a:xfrm>
           <a:prstGeom prst="rect">
@@ -8973,14 +8861,14 @@
           <a:effectLst/>
           <a:extLst>
             <a:ext uri="{909E8E84-426E-40DD-AFC4-6F175D3DCCD1}">
-              <a14:hiddenFill xmlns="" xmlns:a14="http://schemas.microsoft.com/office/drawing/2010/main">
+              <a14:hiddenFill xmlns:a14="http://schemas.microsoft.com/office/drawing/2010/main" xmlns="">
                 <a:solidFill>
                   <a:schemeClr val="accent1"/>
                 </a:solidFill>
               </a14:hiddenFill>
             </a:ext>
             <a:ext uri="{91240B29-F687-4F45-9708-019B960494DF}">
-              <a14:hiddenLine xmlns="" xmlns:a14="http://schemas.microsoft.com/office/drawing/2010/main" w="9525">
+              <a14:hiddenLine xmlns:a14="http://schemas.microsoft.com/office/drawing/2010/main" xmlns="" w="9525">
                 <a:solidFill>
                   <a:schemeClr val="tx1"/>
                 </a:solidFill>
@@ -8990,7 +8878,7 @@
               </a14:hiddenLine>
             </a:ext>
             <a:ext uri="{AF507438-7753-43E0-B8FC-AC1667EBCBE1}">
-              <a14:hiddenEffects xmlns="" xmlns:a14="http://schemas.microsoft.com/office/drawing/2010/main">
+              <a14:hiddenEffects xmlns:a14="http://schemas.microsoft.com/office/drawing/2010/main" xmlns="">
                 <a:effectLst>
                   <a:outerShdw dist="35921" dir="2700000" algn="ctr" rotWithShape="0">
                     <a:schemeClr val="bg2"/>
@@ -9004,7 +8892,7 @@
     </p:spTree>
     <p:extLst>
       <p:ext uri="{BB962C8B-B14F-4D97-AF65-F5344CB8AC3E}">
-        <p14:creationId xmlns="" xmlns:p14="http://schemas.microsoft.com/office/powerpoint/2010/main" val="3848371344"/>
+        <p14:creationId xmlns:p14="http://schemas.microsoft.com/office/powerpoint/2010/main" xmlns="" val="3848371344"/>
       </p:ext>
     </p:extLst>
   </p:cSld>
